--- a/mcd projet bdd.pptx
+++ b/mcd projet bdd.pptx
@@ -259,7 +259,7 @@
           <a:p>
             <a:fld id="{E7906576-864D-4724-8F3D-245F426B2506}" type="datetimeFigureOut">
               <a:rPr lang="fr-FR" smtClean="0"/>
-              <a:t>06/12/2023</a:t>
+              <a:t>09/12/2023</a:t>
             </a:fld>
             <a:endParaRPr lang="fr-FR"/>
           </a:p>
@@ -457,7 +457,7 @@
           <a:p>
             <a:fld id="{E7906576-864D-4724-8F3D-245F426B2506}" type="datetimeFigureOut">
               <a:rPr lang="fr-FR" smtClean="0"/>
-              <a:t>06/12/2023</a:t>
+              <a:t>09/12/2023</a:t>
             </a:fld>
             <a:endParaRPr lang="fr-FR"/>
           </a:p>
@@ -665,7 +665,7 @@
           <a:p>
             <a:fld id="{E7906576-864D-4724-8F3D-245F426B2506}" type="datetimeFigureOut">
               <a:rPr lang="fr-FR" smtClean="0"/>
-              <a:t>06/12/2023</a:t>
+              <a:t>09/12/2023</a:t>
             </a:fld>
             <a:endParaRPr lang="fr-FR"/>
           </a:p>
@@ -863,7 +863,7 @@
           <a:p>
             <a:fld id="{E7906576-864D-4724-8F3D-245F426B2506}" type="datetimeFigureOut">
               <a:rPr lang="fr-FR" smtClean="0"/>
-              <a:t>06/12/2023</a:t>
+              <a:t>09/12/2023</a:t>
             </a:fld>
             <a:endParaRPr lang="fr-FR"/>
           </a:p>
@@ -1138,7 +1138,7 @@
           <a:p>
             <a:fld id="{E7906576-864D-4724-8F3D-245F426B2506}" type="datetimeFigureOut">
               <a:rPr lang="fr-FR" smtClean="0"/>
-              <a:t>06/12/2023</a:t>
+              <a:t>09/12/2023</a:t>
             </a:fld>
             <a:endParaRPr lang="fr-FR"/>
           </a:p>
@@ -1403,7 +1403,7 @@
           <a:p>
             <a:fld id="{E7906576-864D-4724-8F3D-245F426B2506}" type="datetimeFigureOut">
               <a:rPr lang="fr-FR" smtClean="0"/>
-              <a:t>06/12/2023</a:t>
+              <a:t>09/12/2023</a:t>
             </a:fld>
             <a:endParaRPr lang="fr-FR"/>
           </a:p>
@@ -1815,7 +1815,7 @@
           <a:p>
             <a:fld id="{E7906576-864D-4724-8F3D-245F426B2506}" type="datetimeFigureOut">
               <a:rPr lang="fr-FR" smtClean="0"/>
-              <a:t>06/12/2023</a:t>
+              <a:t>09/12/2023</a:t>
             </a:fld>
             <a:endParaRPr lang="fr-FR"/>
           </a:p>
@@ -1956,7 +1956,7 @@
           <a:p>
             <a:fld id="{E7906576-864D-4724-8F3D-245F426B2506}" type="datetimeFigureOut">
               <a:rPr lang="fr-FR" smtClean="0"/>
-              <a:t>06/12/2023</a:t>
+              <a:t>09/12/2023</a:t>
             </a:fld>
             <a:endParaRPr lang="fr-FR"/>
           </a:p>
@@ -2069,7 +2069,7 @@
           <a:p>
             <a:fld id="{E7906576-864D-4724-8F3D-245F426B2506}" type="datetimeFigureOut">
               <a:rPr lang="fr-FR" smtClean="0"/>
-              <a:t>06/12/2023</a:t>
+              <a:t>09/12/2023</a:t>
             </a:fld>
             <a:endParaRPr lang="fr-FR"/>
           </a:p>
@@ -2380,7 +2380,7 @@
           <a:p>
             <a:fld id="{E7906576-864D-4724-8F3D-245F426B2506}" type="datetimeFigureOut">
               <a:rPr lang="fr-FR" smtClean="0"/>
-              <a:t>06/12/2023</a:t>
+              <a:t>09/12/2023</a:t>
             </a:fld>
             <a:endParaRPr lang="fr-FR"/>
           </a:p>
@@ -2668,7 +2668,7 @@
           <a:p>
             <a:fld id="{E7906576-864D-4724-8F3D-245F426B2506}" type="datetimeFigureOut">
               <a:rPr lang="fr-FR" smtClean="0"/>
-              <a:t>06/12/2023</a:t>
+              <a:t>09/12/2023</a:t>
             </a:fld>
             <a:endParaRPr lang="fr-FR"/>
           </a:p>
@@ -2909,7 +2909,7 @@
           <a:p>
             <a:fld id="{E7906576-864D-4724-8F3D-245F426B2506}" type="datetimeFigureOut">
               <a:rPr lang="fr-FR" smtClean="0"/>
-              <a:t>06/12/2023</a:t>
+              <a:t>09/12/2023</a:t>
             </a:fld>
             <a:endParaRPr lang="fr-FR"/>
           </a:p>
@@ -3326,925 +3326,47 @@
           <a:chExt cx="0" cy="0"/>
         </a:xfrm>
       </p:grpSpPr>
-      <p:sp>
-        <p:nvSpPr>
-          <p:cNvPr id="9" name="Rectangle 8">
-            <a:extLst>
-              <a:ext uri="{FF2B5EF4-FFF2-40B4-BE49-F238E27FC236}">
-                <a16:creationId xmlns:a16="http://schemas.microsoft.com/office/drawing/2014/main" id="{06D33A67-BC82-71CF-771A-58457A266FAD}"/>
-              </a:ext>
-            </a:extLst>
-          </p:cNvPr>
-          <p:cNvSpPr/>
+      <p:pic>
+        <p:nvPicPr>
+          <p:cNvPr id="2" name="Image 1">
+            <a:extLst>
+              <a:ext uri="{FF2B5EF4-FFF2-40B4-BE49-F238E27FC236}">
+                <a16:creationId xmlns:a16="http://schemas.microsoft.com/office/drawing/2014/main" id="{AB6053B7-B7EA-9243-7EC0-4775DC07CDC3}"/>
+              </a:ext>
+            </a:extLst>
+          </p:cNvPr>
+          <p:cNvPicPr>
+            <a:picLocks noChangeAspect="1"/>
+          </p:cNvPicPr>
           <p:nvPr/>
-        </p:nvSpPr>
-        <p:spPr>
+        </p:nvPicPr>
+        <p:blipFill>
+          <a:blip r:embed="rId2">
+            <a:extLst>
+              <a:ext uri="{28A0092B-C50C-407E-A947-70E740481C1C}">
+                <a14:useLocalDpi xmlns:a14="http://schemas.microsoft.com/office/drawing/2010/main" val="0"/>
+              </a:ext>
+            </a:extLst>
+          </a:blip>
+          <a:srcRect/>
+          <a:stretch>
+            <a:fillRect/>
+          </a:stretch>
+        </p:blipFill>
+        <p:spPr bwMode="auto">
           <a:xfrm>
-            <a:off x="6802791" y="568646"/>
-            <a:ext cx="2038350" cy="3000375"/>
-          </a:xfrm>
-          <a:prstGeom prst="rect">
-            <a:avLst/>
-          </a:prstGeom>
-        </p:spPr>
-        <p:style>
-          <a:lnRef idx="2">
-            <a:schemeClr val="accent6"/>
-          </a:lnRef>
-          <a:fillRef idx="1">
-            <a:schemeClr val="lt1"/>
-          </a:fillRef>
-          <a:effectRef idx="0">
-            <a:schemeClr val="accent6"/>
-          </a:effectRef>
-          <a:fontRef idx="minor">
-            <a:schemeClr val="dk1"/>
-          </a:fontRef>
-        </p:style>
-        <p:txBody>
-          <a:bodyPr rtlCol="0" anchor="ctr"/>
-          <a:lstStyle/>
-          <a:p>
-            <a:pPr algn="ctr"/>
-            <a:endParaRPr lang="fr-FR"/>
-          </a:p>
-        </p:txBody>
-      </p:sp>
-      <p:sp>
-        <p:nvSpPr>
-          <p:cNvPr id="12" name="ZoneTexte 11">
-            <a:extLst>
-              <a:ext uri="{FF2B5EF4-FFF2-40B4-BE49-F238E27FC236}">
-                <a16:creationId xmlns:a16="http://schemas.microsoft.com/office/drawing/2014/main" id="{52AADCDE-28FC-6E4A-0175-B4D5860B50E4}"/>
-              </a:ext>
-            </a:extLst>
-          </p:cNvPr>
-          <p:cNvSpPr txBox="1"/>
-          <p:nvPr/>
-        </p:nvSpPr>
-        <p:spPr>
-          <a:xfrm>
-            <a:off x="6802791" y="1467102"/>
-            <a:ext cx="2038350" cy="1477328"/>
+            <a:off x="1862169" y="209232"/>
+            <a:ext cx="8467662" cy="6439536"/>
           </a:xfrm>
           <a:prstGeom prst="rect">
             <a:avLst/>
           </a:prstGeom>
           <a:noFill/>
+          <a:ln>
+            <a:noFill/>
+          </a:ln>
         </p:spPr>
-        <p:txBody>
-          <a:bodyPr wrap="square" rtlCol="0">
-            <a:spAutoFit/>
-          </a:bodyPr>
-          <a:lstStyle/>
-          <a:p>
-            <a:r>
-              <a:rPr lang="fr-FR" u="sng" dirty="0" err="1"/>
-              <a:t>Id_studens</a:t>
-            </a:r>
-            <a:endParaRPr lang="fr-FR" u="sng" dirty="0"/>
-          </a:p>
-          <a:p>
-            <a:r>
-              <a:rPr lang="fr-FR" dirty="0" err="1"/>
-              <a:t>Students_name</a:t>
-            </a:r>
-            <a:endParaRPr lang="fr-FR" dirty="0"/>
-          </a:p>
-          <a:p>
-            <a:r>
-              <a:rPr lang="fr-FR" dirty="0"/>
-              <a:t>Email</a:t>
-            </a:r>
-          </a:p>
-          <a:p>
-            <a:r>
-              <a:rPr lang="fr-FR" dirty="0" err="1"/>
-              <a:t>Year</a:t>
-            </a:r>
-            <a:r>
-              <a:rPr lang="fr-FR" dirty="0"/>
-              <a:t> </a:t>
-            </a:r>
-          </a:p>
-          <a:p>
-            <a:endParaRPr lang="fr-FR" dirty="0"/>
-          </a:p>
-        </p:txBody>
-      </p:sp>
-      <p:cxnSp>
-        <p:nvCxnSpPr>
-          <p:cNvPr id="14" name="Connecteur droit 13">
-            <a:extLst>
-              <a:ext uri="{FF2B5EF4-FFF2-40B4-BE49-F238E27FC236}">
-                <a16:creationId xmlns:a16="http://schemas.microsoft.com/office/drawing/2014/main" id="{25ECB384-7DD4-B536-27EF-8D52109E32A5}"/>
-              </a:ext>
-            </a:extLst>
-          </p:cNvPr>
-          <p:cNvCxnSpPr/>
-          <p:nvPr/>
-        </p:nvCxnSpPr>
-        <p:spPr>
-          <a:xfrm>
-            <a:off x="6802791" y="1119152"/>
-            <a:ext cx="2038350" cy="0"/>
-          </a:xfrm>
-          <a:prstGeom prst="line">
-            <a:avLst/>
-          </a:prstGeom>
-        </p:spPr>
-        <p:style>
-          <a:lnRef idx="1">
-            <a:schemeClr val="dk1"/>
-          </a:lnRef>
-          <a:fillRef idx="0">
-            <a:schemeClr val="dk1"/>
-          </a:fillRef>
-          <a:effectRef idx="0">
-            <a:schemeClr val="dk1"/>
-          </a:effectRef>
-          <a:fontRef idx="minor">
-            <a:schemeClr val="tx1"/>
-          </a:fontRef>
-        </p:style>
-      </p:cxnSp>
-      <p:sp>
-        <p:nvSpPr>
-          <p:cNvPr id="15" name="Rectangle 14">
-            <a:extLst>
-              <a:ext uri="{FF2B5EF4-FFF2-40B4-BE49-F238E27FC236}">
-                <a16:creationId xmlns:a16="http://schemas.microsoft.com/office/drawing/2014/main" id="{3A3FEE46-59CA-9BD4-0DE6-56895B31E3BD}"/>
-              </a:ext>
-            </a:extLst>
-          </p:cNvPr>
-          <p:cNvSpPr/>
-          <p:nvPr/>
-        </p:nvSpPr>
-        <p:spPr>
-          <a:xfrm>
-            <a:off x="3537467" y="3424836"/>
-            <a:ext cx="2038350" cy="3000375"/>
-          </a:xfrm>
-          <a:prstGeom prst="rect">
-            <a:avLst/>
-          </a:prstGeom>
-        </p:spPr>
-        <p:style>
-          <a:lnRef idx="2">
-            <a:schemeClr val="accent6"/>
-          </a:lnRef>
-          <a:fillRef idx="1">
-            <a:schemeClr val="lt1"/>
-          </a:fillRef>
-          <a:effectRef idx="0">
-            <a:schemeClr val="accent6"/>
-          </a:effectRef>
-          <a:fontRef idx="minor">
-            <a:schemeClr val="dk1"/>
-          </a:fontRef>
-        </p:style>
-        <p:txBody>
-          <a:bodyPr rtlCol="0" anchor="ctr"/>
-          <a:lstStyle/>
-          <a:p>
-            <a:pPr algn="ctr"/>
-            <a:endParaRPr lang="fr-FR" dirty="0"/>
-          </a:p>
-        </p:txBody>
-      </p:sp>
-      <p:sp>
-        <p:nvSpPr>
-          <p:cNvPr id="16" name="ZoneTexte 15">
-            <a:extLst>
-              <a:ext uri="{FF2B5EF4-FFF2-40B4-BE49-F238E27FC236}">
-                <a16:creationId xmlns:a16="http://schemas.microsoft.com/office/drawing/2014/main" id="{44546177-89BA-56A9-9E98-41A239C01624}"/>
-              </a:ext>
-            </a:extLst>
-          </p:cNvPr>
-          <p:cNvSpPr txBox="1"/>
-          <p:nvPr/>
-        </p:nvSpPr>
-        <p:spPr>
-          <a:xfrm>
-            <a:off x="3537467" y="4323292"/>
-            <a:ext cx="2038350" cy="1477328"/>
-          </a:xfrm>
-          <a:prstGeom prst="rect">
-            <a:avLst/>
-          </a:prstGeom>
-          <a:noFill/>
-        </p:spPr>
-        <p:txBody>
-          <a:bodyPr wrap="square" rtlCol="0">
-            <a:spAutoFit/>
-          </a:bodyPr>
-          <a:lstStyle/>
-          <a:p>
-            <a:r>
-              <a:rPr lang="fr-FR" u="sng" dirty="0" err="1"/>
-              <a:t>Id_house</a:t>
-            </a:r>
-            <a:endParaRPr lang="fr-FR" u="sng" dirty="0"/>
-          </a:p>
-          <a:p>
-            <a:r>
-              <a:rPr lang="fr-FR" u="sng"/>
-              <a:t>House_name</a:t>
-            </a:r>
-            <a:endParaRPr lang="fr-FR" u="sng" dirty="0"/>
-          </a:p>
-          <a:p>
-            <a:r>
-              <a:rPr lang="fr-FR" u="sng" dirty="0"/>
-              <a:t>#Id_students</a:t>
-            </a:r>
-          </a:p>
-          <a:p>
-            <a:r>
-              <a:rPr lang="fr-FR" dirty="0"/>
-              <a:t> </a:t>
-            </a:r>
-          </a:p>
-          <a:p>
-            <a:endParaRPr lang="fr-FR" dirty="0"/>
-          </a:p>
-        </p:txBody>
-      </p:sp>
-      <p:cxnSp>
-        <p:nvCxnSpPr>
-          <p:cNvPr id="17" name="Connecteur droit 16">
-            <a:extLst>
-              <a:ext uri="{FF2B5EF4-FFF2-40B4-BE49-F238E27FC236}">
-                <a16:creationId xmlns:a16="http://schemas.microsoft.com/office/drawing/2014/main" id="{65159C86-1C3C-8382-46BA-614D307BBE8D}"/>
-              </a:ext>
-            </a:extLst>
-          </p:cNvPr>
-          <p:cNvCxnSpPr/>
-          <p:nvPr/>
-        </p:nvCxnSpPr>
-        <p:spPr>
-          <a:xfrm>
-            <a:off x="3537467" y="3975342"/>
-            <a:ext cx="2038350" cy="0"/>
-          </a:xfrm>
-          <a:prstGeom prst="line">
-            <a:avLst/>
-          </a:prstGeom>
-        </p:spPr>
-        <p:style>
-          <a:lnRef idx="1">
-            <a:schemeClr val="dk1"/>
-          </a:lnRef>
-          <a:fillRef idx="0">
-            <a:schemeClr val="dk1"/>
-          </a:fillRef>
-          <a:effectRef idx="0">
-            <a:schemeClr val="dk1"/>
-          </a:effectRef>
-          <a:fontRef idx="minor">
-            <a:schemeClr val="tx1"/>
-          </a:fontRef>
-        </p:style>
-      </p:cxnSp>
-      <p:sp>
-        <p:nvSpPr>
-          <p:cNvPr id="18" name="ZoneTexte 17">
-            <a:extLst>
-              <a:ext uri="{FF2B5EF4-FFF2-40B4-BE49-F238E27FC236}">
-                <a16:creationId xmlns:a16="http://schemas.microsoft.com/office/drawing/2014/main" id="{7335D24F-0B46-7049-BA1D-8240A95BDADD}"/>
-              </a:ext>
-            </a:extLst>
-          </p:cNvPr>
-          <p:cNvSpPr txBox="1"/>
-          <p:nvPr/>
-        </p:nvSpPr>
-        <p:spPr>
-          <a:xfrm>
-            <a:off x="7372354" y="668576"/>
-            <a:ext cx="2038350" cy="369332"/>
-          </a:xfrm>
-          <a:prstGeom prst="rect">
-            <a:avLst/>
-          </a:prstGeom>
-          <a:noFill/>
-        </p:spPr>
-        <p:txBody>
-          <a:bodyPr wrap="square" rtlCol="0">
-            <a:spAutoFit/>
-          </a:bodyPr>
-          <a:lstStyle/>
-          <a:p>
-            <a:r>
-              <a:rPr lang="fr-FR" dirty="0" err="1"/>
-              <a:t>Studens</a:t>
-            </a:r>
-            <a:endParaRPr lang="fr-FR" dirty="0"/>
-          </a:p>
-        </p:txBody>
-      </p:sp>
-      <p:sp>
-        <p:nvSpPr>
-          <p:cNvPr id="11" name="ZoneTexte 10">
-            <a:extLst>
-              <a:ext uri="{FF2B5EF4-FFF2-40B4-BE49-F238E27FC236}">
-                <a16:creationId xmlns:a16="http://schemas.microsoft.com/office/drawing/2014/main" id="{36A7C46B-D445-B798-A8EF-2DDA069D3A06}"/>
-              </a:ext>
-            </a:extLst>
-          </p:cNvPr>
-          <p:cNvSpPr txBox="1"/>
-          <p:nvPr/>
-        </p:nvSpPr>
-        <p:spPr>
-          <a:xfrm>
-            <a:off x="4150954" y="3515423"/>
-            <a:ext cx="2038350" cy="369332"/>
-          </a:xfrm>
-          <a:prstGeom prst="rect">
-            <a:avLst/>
-          </a:prstGeom>
-          <a:noFill/>
-        </p:spPr>
-        <p:txBody>
-          <a:bodyPr wrap="square" rtlCol="0">
-            <a:spAutoFit/>
-          </a:bodyPr>
-          <a:lstStyle/>
-          <a:p>
-            <a:r>
-              <a:rPr lang="fr-FR" dirty="0"/>
-              <a:t>House</a:t>
-            </a:r>
-          </a:p>
-        </p:txBody>
-      </p:sp>
-      <p:sp>
-        <p:nvSpPr>
-          <p:cNvPr id="19" name="Rectangle 18">
-            <a:extLst>
-              <a:ext uri="{FF2B5EF4-FFF2-40B4-BE49-F238E27FC236}">
-                <a16:creationId xmlns:a16="http://schemas.microsoft.com/office/drawing/2014/main" id="{F14F0362-7EEC-796C-61A2-419652F58CAB}"/>
-              </a:ext>
-            </a:extLst>
-          </p:cNvPr>
-          <p:cNvSpPr/>
-          <p:nvPr/>
-        </p:nvSpPr>
-        <p:spPr>
-          <a:xfrm>
-            <a:off x="8795267" y="3671095"/>
-            <a:ext cx="2038350" cy="3000375"/>
-          </a:xfrm>
-          <a:prstGeom prst="rect">
-            <a:avLst/>
-          </a:prstGeom>
-        </p:spPr>
-        <p:style>
-          <a:lnRef idx="2">
-            <a:schemeClr val="accent6"/>
-          </a:lnRef>
-          <a:fillRef idx="1">
-            <a:schemeClr val="lt1"/>
-          </a:fillRef>
-          <a:effectRef idx="0">
-            <a:schemeClr val="accent6"/>
-          </a:effectRef>
-          <a:fontRef idx="minor">
-            <a:schemeClr val="dk1"/>
-          </a:fontRef>
-        </p:style>
-        <p:txBody>
-          <a:bodyPr rtlCol="0" anchor="ctr"/>
-          <a:lstStyle/>
-          <a:p>
-            <a:pPr algn="ctr"/>
-            <a:endParaRPr lang="fr-FR" dirty="0"/>
-          </a:p>
-        </p:txBody>
-      </p:sp>
-      <p:sp>
-        <p:nvSpPr>
-          <p:cNvPr id="20" name="ZoneTexte 19">
-            <a:extLst>
-              <a:ext uri="{FF2B5EF4-FFF2-40B4-BE49-F238E27FC236}">
-                <a16:creationId xmlns:a16="http://schemas.microsoft.com/office/drawing/2014/main" id="{1E7B92C4-D268-EFC3-1A40-1523276620B3}"/>
-              </a:ext>
-            </a:extLst>
-          </p:cNvPr>
-          <p:cNvSpPr txBox="1"/>
-          <p:nvPr/>
-        </p:nvSpPr>
-        <p:spPr>
-          <a:xfrm>
-            <a:off x="8795267" y="4569551"/>
-            <a:ext cx="2038350" cy="1477328"/>
-          </a:xfrm>
-          <a:prstGeom prst="rect">
-            <a:avLst/>
-          </a:prstGeom>
-          <a:noFill/>
-        </p:spPr>
-        <p:txBody>
-          <a:bodyPr wrap="square" rtlCol="0">
-            <a:spAutoFit/>
-          </a:bodyPr>
-          <a:lstStyle/>
-          <a:p>
-            <a:r>
-              <a:rPr lang="fr-FR" u="sng" dirty="0" err="1"/>
-              <a:t>Id_course</a:t>
-            </a:r>
-            <a:endParaRPr lang="fr-FR" u="sng" dirty="0"/>
-          </a:p>
-          <a:p>
-            <a:r>
-              <a:rPr lang="fr-FR" dirty="0" err="1"/>
-              <a:t>Course_name</a:t>
-            </a:r>
-            <a:endParaRPr lang="fr-FR" dirty="0"/>
-          </a:p>
-          <a:p>
-            <a:r>
-              <a:rPr lang="fr-FR" u="sng" dirty="0"/>
-              <a:t>#Id_students</a:t>
-            </a:r>
-          </a:p>
-          <a:p>
-            <a:r>
-              <a:rPr lang="fr-FR" dirty="0"/>
-              <a:t> </a:t>
-            </a:r>
-          </a:p>
-          <a:p>
-            <a:endParaRPr lang="fr-FR" dirty="0"/>
-          </a:p>
-        </p:txBody>
-      </p:sp>
-      <p:cxnSp>
-        <p:nvCxnSpPr>
-          <p:cNvPr id="21" name="Connecteur droit 20">
-            <a:extLst>
-              <a:ext uri="{FF2B5EF4-FFF2-40B4-BE49-F238E27FC236}">
-                <a16:creationId xmlns:a16="http://schemas.microsoft.com/office/drawing/2014/main" id="{DC313AE4-6C3A-2FD3-037B-0958062DA429}"/>
-              </a:ext>
-            </a:extLst>
-          </p:cNvPr>
-          <p:cNvCxnSpPr/>
-          <p:nvPr/>
-        </p:nvCxnSpPr>
-        <p:spPr>
-          <a:xfrm>
-            <a:off x="8795267" y="4221601"/>
-            <a:ext cx="2038350" cy="0"/>
-          </a:xfrm>
-          <a:prstGeom prst="line">
-            <a:avLst/>
-          </a:prstGeom>
-        </p:spPr>
-        <p:style>
-          <a:lnRef idx="1">
-            <a:schemeClr val="dk1"/>
-          </a:lnRef>
-          <a:fillRef idx="0">
-            <a:schemeClr val="dk1"/>
-          </a:fillRef>
-          <a:effectRef idx="0">
-            <a:schemeClr val="dk1"/>
-          </a:effectRef>
-          <a:fontRef idx="minor">
-            <a:schemeClr val="tx1"/>
-          </a:fontRef>
-        </p:style>
-      </p:cxnSp>
-      <p:sp>
-        <p:nvSpPr>
-          <p:cNvPr id="22" name="ZoneTexte 21">
-            <a:extLst>
-              <a:ext uri="{FF2B5EF4-FFF2-40B4-BE49-F238E27FC236}">
-                <a16:creationId xmlns:a16="http://schemas.microsoft.com/office/drawing/2014/main" id="{84FEE374-CB6A-B651-491F-498E56EDE263}"/>
-              </a:ext>
-            </a:extLst>
-          </p:cNvPr>
-          <p:cNvSpPr txBox="1"/>
-          <p:nvPr/>
-        </p:nvSpPr>
-        <p:spPr>
-          <a:xfrm>
-            <a:off x="8841141" y="3761682"/>
-            <a:ext cx="2038350" cy="369332"/>
-          </a:xfrm>
-          <a:prstGeom prst="rect">
-            <a:avLst/>
-          </a:prstGeom>
-          <a:noFill/>
-        </p:spPr>
-        <p:txBody>
-          <a:bodyPr wrap="square" rtlCol="0">
-            <a:spAutoFit/>
-          </a:bodyPr>
-          <a:lstStyle/>
-          <a:p>
-            <a:r>
-              <a:rPr lang="fr-FR" dirty="0" err="1"/>
-              <a:t>Registered_courses</a:t>
-            </a:r>
-            <a:endParaRPr lang="fr-FR" dirty="0"/>
-          </a:p>
-        </p:txBody>
-      </p:sp>
-      <p:sp>
-        <p:nvSpPr>
-          <p:cNvPr id="23" name="Rectangle 22">
-            <a:extLst>
-              <a:ext uri="{FF2B5EF4-FFF2-40B4-BE49-F238E27FC236}">
-                <a16:creationId xmlns:a16="http://schemas.microsoft.com/office/drawing/2014/main" id="{19FCD648-281F-FB93-2730-69887C60FF26}"/>
-              </a:ext>
-            </a:extLst>
-          </p:cNvPr>
-          <p:cNvSpPr/>
-          <p:nvPr/>
-        </p:nvSpPr>
-        <p:spPr>
-          <a:xfrm>
-            <a:off x="1240388" y="345237"/>
-            <a:ext cx="2038350" cy="3000375"/>
-          </a:xfrm>
-          <a:prstGeom prst="rect">
-            <a:avLst/>
-          </a:prstGeom>
-        </p:spPr>
-        <p:style>
-          <a:lnRef idx="2">
-            <a:schemeClr val="accent6"/>
-          </a:lnRef>
-          <a:fillRef idx="1">
-            <a:schemeClr val="lt1"/>
-          </a:fillRef>
-          <a:effectRef idx="0">
-            <a:schemeClr val="accent6"/>
-          </a:effectRef>
-          <a:fontRef idx="minor">
-            <a:schemeClr val="dk1"/>
-          </a:fontRef>
-        </p:style>
-        <p:txBody>
-          <a:bodyPr rtlCol="0" anchor="ctr"/>
-          <a:lstStyle/>
-          <a:p>
-            <a:pPr algn="ctr"/>
-            <a:endParaRPr lang="fr-FR" dirty="0"/>
-          </a:p>
-        </p:txBody>
-      </p:sp>
-      <p:sp>
-        <p:nvSpPr>
-          <p:cNvPr id="24" name="ZoneTexte 23">
-            <a:extLst>
-              <a:ext uri="{FF2B5EF4-FFF2-40B4-BE49-F238E27FC236}">
-                <a16:creationId xmlns:a16="http://schemas.microsoft.com/office/drawing/2014/main" id="{AE930C84-0314-ED24-03A5-9E5B62DCE537}"/>
-              </a:ext>
-            </a:extLst>
-          </p:cNvPr>
-          <p:cNvSpPr txBox="1"/>
-          <p:nvPr/>
-        </p:nvSpPr>
-        <p:spPr>
-          <a:xfrm>
-            <a:off x="1267988" y="1157889"/>
-            <a:ext cx="2038350" cy="1477328"/>
-          </a:xfrm>
-          <a:prstGeom prst="rect">
-            <a:avLst/>
-          </a:prstGeom>
-          <a:noFill/>
-        </p:spPr>
-        <p:txBody>
-          <a:bodyPr wrap="square" rtlCol="0">
-            <a:spAutoFit/>
-          </a:bodyPr>
-          <a:lstStyle/>
-          <a:p>
-            <a:r>
-              <a:rPr lang="fr-FR" u="sng" dirty="0" err="1"/>
-              <a:t>Id_prefect</a:t>
-            </a:r>
-            <a:endParaRPr lang="fr-FR" u="sng" dirty="0"/>
-          </a:p>
-          <a:p>
-            <a:r>
-              <a:rPr lang="fr-FR" dirty="0" err="1"/>
-              <a:t>Prefect_name</a:t>
-            </a:r>
-            <a:endParaRPr lang="fr-FR" dirty="0"/>
-          </a:p>
-          <a:p>
-            <a:r>
-              <a:rPr lang="fr-FR" u="sng" dirty="0"/>
-              <a:t>#House_name</a:t>
-            </a:r>
-          </a:p>
-          <a:p>
-            <a:r>
-              <a:rPr lang="fr-FR" dirty="0"/>
-              <a:t> </a:t>
-            </a:r>
-          </a:p>
-          <a:p>
-            <a:endParaRPr lang="fr-FR" dirty="0"/>
-          </a:p>
-        </p:txBody>
-      </p:sp>
-      <p:cxnSp>
-        <p:nvCxnSpPr>
-          <p:cNvPr id="25" name="Connecteur droit 24">
-            <a:extLst>
-              <a:ext uri="{FF2B5EF4-FFF2-40B4-BE49-F238E27FC236}">
-                <a16:creationId xmlns:a16="http://schemas.microsoft.com/office/drawing/2014/main" id="{70702DA2-0547-BD1A-B7BB-BE0A728501D9}"/>
-              </a:ext>
-            </a:extLst>
-          </p:cNvPr>
-          <p:cNvCxnSpPr/>
-          <p:nvPr/>
-        </p:nvCxnSpPr>
-        <p:spPr>
-          <a:xfrm>
-            <a:off x="1240388" y="895743"/>
-            <a:ext cx="2038350" cy="0"/>
-          </a:xfrm>
-          <a:prstGeom prst="line">
-            <a:avLst/>
-          </a:prstGeom>
-        </p:spPr>
-        <p:style>
-          <a:lnRef idx="1">
-            <a:schemeClr val="dk1"/>
-          </a:lnRef>
-          <a:fillRef idx="0">
-            <a:schemeClr val="dk1"/>
-          </a:fillRef>
-          <a:effectRef idx="0">
-            <a:schemeClr val="dk1"/>
-          </a:effectRef>
-          <a:fontRef idx="minor">
-            <a:schemeClr val="tx1"/>
-          </a:fontRef>
-        </p:style>
-      </p:cxnSp>
-      <p:sp>
-        <p:nvSpPr>
-          <p:cNvPr id="26" name="ZoneTexte 25">
-            <a:extLst>
-              <a:ext uri="{FF2B5EF4-FFF2-40B4-BE49-F238E27FC236}">
-                <a16:creationId xmlns:a16="http://schemas.microsoft.com/office/drawing/2014/main" id="{62FA5816-6415-2000-D0ED-C7D903E827F0}"/>
-              </a:ext>
-            </a:extLst>
-          </p:cNvPr>
-          <p:cNvSpPr txBox="1"/>
-          <p:nvPr/>
-        </p:nvSpPr>
-        <p:spPr>
-          <a:xfrm>
-            <a:off x="1762123" y="428625"/>
-            <a:ext cx="2038350" cy="369332"/>
-          </a:xfrm>
-          <a:prstGeom prst="rect">
-            <a:avLst/>
-          </a:prstGeom>
-          <a:noFill/>
-        </p:spPr>
-        <p:txBody>
-          <a:bodyPr wrap="square" rtlCol="0">
-            <a:spAutoFit/>
-          </a:bodyPr>
-          <a:lstStyle/>
-          <a:p>
-            <a:r>
-              <a:rPr lang="fr-FR" dirty="0" err="1"/>
-              <a:t>Prefects</a:t>
-            </a:r>
-            <a:endParaRPr lang="fr-FR" dirty="0"/>
-          </a:p>
-        </p:txBody>
-      </p:sp>
-      <p:cxnSp>
-        <p:nvCxnSpPr>
-          <p:cNvPr id="28" name="Connecteur droit 27">
-            <a:extLst>
-              <a:ext uri="{FF2B5EF4-FFF2-40B4-BE49-F238E27FC236}">
-                <a16:creationId xmlns:a16="http://schemas.microsoft.com/office/drawing/2014/main" id="{C8BE77E5-9C7B-9111-DB46-2BC7E06CB2CC}"/>
-              </a:ext>
-            </a:extLst>
-          </p:cNvPr>
-          <p:cNvCxnSpPr>
-            <a:cxnSpLocks/>
-          </p:cNvCxnSpPr>
-          <p:nvPr/>
-        </p:nvCxnSpPr>
-        <p:spPr>
-          <a:xfrm flipH="1">
-            <a:off x="5019869" y="1576873"/>
-            <a:ext cx="1782922" cy="1852127"/>
-          </a:xfrm>
-          <a:prstGeom prst="line">
-            <a:avLst/>
-          </a:prstGeom>
-        </p:spPr>
-        <p:style>
-          <a:lnRef idx="1">
-            <a:schemeClr val="dk1"/>
-          </a:lnRef>
-          <a:fillRef idx="0">
-            <a:schemeClr val="dk1"/>
-          </a:fillRef>
-          <a:effectRef idx="0">
-            <a:schemeClr val="dk1"/>
-          </a:effectRef>
-          <a:fontRef idx="minor">
-            <a:schemeClr val="tx1"/>
-          </a:fontRef>
-        </p:style>
-      </p:cxnSp>
-      <p:cxnSp>
-        <p:nvCxnSpPr>
-          <p:cNvPr id="30" name="Connecteur droit 29">
-            <a:extLst>
-              <a:ext uri="{FF2B5EF4-FFF2-40B4-BE49-F238E27FC236}">
-                <a16:creationId xmlns:a16="http://schemas.microsoft.com/office/drawing/2014/main" id="{84100F89-0076-6D39-6DE5-7451F4BA0A37}"/>
-              </a:ext>
-            </a:extLst>
-          </p:cNvPr>
-          <p:cNvCxnSpPr>
-            <a:cxnSpLocks/>
-          </p:cNvCxnSpPr>
-          <p:nvPr/>
-        </p:nvCxnSpPr>
-        <p:spPr>
-          <a:xfrm flipH="1" flipV="1">
-            <a:off x="3278738" y="2237635"/>
-            <a:ext cx="794366" cy="1164515"/>
-          </a:xfrm>
-          <a:prstGeom prst="line">
-            <a:avLst/>
-          </a:prstGeom>
-        </p:spPr>
-        <p:style>
-          <a:lnRef idx="1">
-            <a:schemeClr val="dk1"/>
-          </a:lnRef>
-          <a:fillRef idx="0">
-            <a:schemeClr val="dk1"/>
-          </a:fillRef>
-          <a:effectRef idx="0">
-            <a:schemeClr val="dk1"/>
-          </a:effectRef>
-          <a:fontRef idx="minor">
-            <a:schemeClr val="tx1"/>
-          </a:fontRef>
-        </p:style>
-      </p:cxnSp>
-      <p:cxnSp>
-        <p:nvCxnSpPr>
-          <p:cNvPr id="33" name="Connecteur droit 32">
-            <a:extLst>
-              <a:ext uri="{FF2B5EF4-FFF2-40B4-BE49-F238E27FC236}">
-                <a16:creationId xmlns:a16="http://schemas.microsoft.com/office/drawing/2014/main" id="{1E58ED3D-57D4-09D2-4703-EDDEB5E981AF}"/>
-              </a:ext>
-            </a:extLst>
-          </p:cNvPr>
-          <p:cNvCxnSpPr>
-            <a:cxnSpLocks/>
-            <a:stCxn id="12" idx="3"/>
-          </p:cNvCxnSpPr>
-          <p:nvPr/>
-        </p:nvCxnSpPr>
-        <p:spPr>
-          <a:xfrm>
-            <a:off x="8841141" y="2205766"/>
-            <a:ext cx="741398" cy="1465329"/>
-          </a:xfrm>
-          <a:prstGeom prst="line">
-            <a:avLst/>
-          </a:prstGeom>
-        </p:spPr>
-        <p:style>
-          <a:lnRef idx="1">
-            <a:schemeClr val="dk1"/>
-          </a:lnRef>
-          <a:fillRef idx="0">
-            <a:schemeClr val="dk1"/>
-          </a:fillRef>
-          <a:effectRef idx="0">
-            <a:schemeClr val="dk1"/>
-          </a:effectRef>
-          <a:fontRef idx="minor">
-            <a:schemeClr val="tx1"/>
-          </a:fontRef>
-        </p:style>
-      </p:cxnSp>
-      <p:sp>
-        <p:nvSpPr>
-          <p:cNvPr id="36" name="ZoneTexte 35">
-            <a:extLst>
-              <a:ext uri="{FF2B5EF4-FFF2-40B4-BE49-F238E27FC236}">
-                <a16:creationId xmlns:a16="http://schemas.microsoft.com/office/drawing/2014/main" id="{96238B88-737B-E0A8-5B0D-94A602EC789E}"/>
-              </a:ext>
-            </a:extLst>
-          </p:cNvPr>
-          <p:cNvSpPr txBox="1"/>
-          <p:nvPr/>
-        </p:nvSpPr>
-        <p:spPr>
-          <a:xfrm>
-            <a:off x="9211840" y="2444022"/>
-            <a:ext cx="593269" cy="369332"/>
-          </a:xfrm>
-          <a:prstGeom prst="rect">
-            <a:avLst/>
-          </a:prstGeom>
-          <a:noFill/>
-        </p:spPr>
-        <p:txBody>
-          <a:bodyPr wrap="square" rtlCol="0">
-            <a:spAutoFit/>
-          </a:bodyPr>
-          <a:lstStyle/>
-          <a:p>
-            <a:r>
-              <a:rPr lang="fr-FR" dirty="0"/>
-              <a:t>1-N</a:t>
-            </a:r>
-          </a:p>
-        </p:txBody>
-      </p:sp>
-      <p:sp>
-        <p:nvSpPr>
-          <p:cNvPr id="37" name="ZoneTexte 36">
-            <a:extLst>
-              <a:ext uri="{FF2B5EF4-FFF2-40B4-BE49-F238E27FC236}">
-                <a16:creationId xmlns:a16="http://schemas.microsoft.com/office/drawing/2014/main" id="{C34D9A56-E726-3B0F-3108-8686174ED133}"/>
-              </a:ext>
-            </a:extLst>
-          </p:cNvPr>
-          <p:cNvSpPr txBox="1"/>
-          <p:nvPr/>
-        </p:nvSpPr>
-        <p:spPr>
-          <a:xfrm>
-            <a:off x="5344688" y="2153914"/>
-            <a:ext cx="593269" cy="369332"/>
-          </a:xfrm>
-          <a:prstGeom prst="rect">
-            <a:avLst/>
-          </a:prstGeom>
-          <a:noFill/>
-        </p:spPr>
-        <p:txBody>
-          <a:bodyPr wrap="square" rtlCol="0">
-            <a:spAutoFit/>
-          </a:bodyPr>
-          <a:lstStyle/>
-          <a:p>
-            <a:r>
-              <a:rPr lang="fr-FR" dirty="0"/>
-              <a:t>1-1</a:t>
-            </a:r>
-          </a:p>
-        </p:txBody>
-      </p:sp>
-      <p:sp>
-        <p:nvSpPr>
-          <p:cNvPr id="38" name="ZoneTexte 37">
-            <a:extLst>
-              <a:ext uri="{FF2B5EF4-FFF2-40B4-BE49-F238E27FC236}">
-                <a16:creationId xmlns:a16="http://schemas.microsoft.com/office/drawing/2014/main" id="{DD5FA439-E307-5F2D-DE9E-64699C2014C2}"/>
-              </a:ext>
-            </a:extLst>
-          </p:cNvPr>
-          <p:cNvSpPr txBox="1"/>
-          <p:nvPr/>
-        </p:nvSpPr>
-        <p:spPr>
-          <a:xfrm>
-            <a:off x="3550303" y="2420043"/>
-            <a:ext cx="593269" cy="369332"/>
-          </a:xfrm>
-          <a:prstGeom prst="rect">
-            <a:avLst/>
-          </a:prstGeom>
-          <a:noFill/>
-        </p:spPr>
-        <p:txBody>
-          <a:bodyPr wrap="square" rtlCol="0">
-            <a:spAutoFit/>
-          </a:bodyPr>
-          <a:lstStyle/>
-          <a:p>
-            <a:r>
-              <a:rPr lang="fr-FR" dirty="0"/>
-              <a:t>1-1</a:t>
-            </a:r>
-          </a:p>
-        </p:txBody>
-      </p:sp>
+      </p:pic>
     </p:spTree>
     <p:extLst>
       <p:ext uri="{BB962C8B-B14F-4D97-AF65-F5344CB8AC3E}">
